--- a/7121 Statistical Arbitrage Final Project.pptx
+++ b/7121 Statistical Arbitrage Final Project.pptx
@@ -112,6 +112,11 @@
       </a:defRPr>
     </a:lvl9pPr>
   </p:defaultTextStyle>
+  <p:extLst>
+    <p:ext uri="{EFAFB233-063F-42B5-8137-9DF3F51BA10A}">
+      <p15:sldGuideLst xmlns:p15="http://schemas.microsoft.com/office/powerpoint/2012/main"/>
+    </p:ext>
+  </p:extLst>
 </p:presentation>
 </file>
 
@@ -3466,7 +3471,7 @@
           <a:p>
             <a:fld id="{3CD0C7C0-2E50-48B1-A477-DDFF934B8830}" type="datetimeFigureOut">
               <a:rPr lang="zh-CN" altLang="en-US" smtClean="0"/>
-              <a:t>2021/3/13</a:t>
+              <a:t>2021/3/15</a:t>
             </a:fld>
             <a:endParaRPr lang="zh-CN" altLang="en-US"/>
           </a:p>
@@ -3664,7 +3669,7 @@
           <a:p>
             <a:fld id="{3CD0C7C0-2E50-48B1-A477-DDFF934B8830}" type="datetimeFigureOut">
               <a:rPr lang="zh-CN" altLang="en-US" smtClean="0"/>
-              <a:t>2021/3/13</a:t>
+              <a:t>2021/3/15</a:t>
             </a:fld>
             <a:endParaRPr lang="zh-CN" altLang="en-US"/>
           </a:p>
@@ -3872,7 +3877,7 @@
           <a:p>
             <a:fld id="{3CD0C7C0-2E50-48B1-A477-DDFF934B8830}" type="datetimeFigureOut">
               <a:rPr lang="zh-CN" altLang="en-US" smtClean="0"/>
-              <a:t>2021/3/13</a:t>
+              <a:t>2021/3/15</a:t>
             </a:fld>
             <a:endParaRPr lang="zh-CN" altLang="en-US"/>
           </a:p>
@@ -4070,7 +4075,7 @@
           <a:p>
             <a:fld id="{3CD0C7C0-2E50-48B1-A477-DDFF934B8830}" type="datetimeFigureOut">
               <a:rPr lang="zh-CN" altLang="en-US" smtClean="0"/>
-              <a:t>2021/3/13</a:t>
+              <a:t>2021/3/15</a:t>
             </a:fld>
             <a:endParaRPr lang="zh-CN" altLang="en-US"/>
           </a:p>
@@ -4345,7 +4350,7 @@
           <a:p>
             <a:fld id="{3CD0C7C0-2E50-48B1-A477-DDFF934B8830}" type="datetimeFigureOut">
               <a:rPr lang="zh-CN" altLang="en-US" smtClean="0"/>
-              <a:t>2021/3/13</a:t>
+              <a:t>2021/3/15</a:t>
             </a:fld>
             <a:endParaRPr lang="zh-CN" altLang="en-US"/>
           </a:p>
@@ -4610,7 +4615,7 @@
           <a:p>
             <a:fld id="{3CD0C7C0-2E50-48B1-A477-DDFF934B8830}" type="datetimeFigureOut">
               <a:rPr lang="zh-CN" altLang="en-US" smtClean="0"/>
-              <a:t>2021/3/13</a:t>
+              <a:t>2021/3/15</a:t>
             </a:fld>
             <a:endParaRPr lang="zh-CN" altLang="en-US"/>
           </a:p>
@@ -5022,7 +5027,7 @@
           <a:p>
             <a:fld id="{3CD0C7C0-2E50-48B1-A477-DDFF934B8830}" type="datetimeFigureOut">
               <a:rPr lang="zh-CN" altLang="en-US" smtClean="0"/>
-              <a:t>2021/3/13</a:t>
+              <a:t>2021/3/15</a:t>
             </a:fld>
             <a:endParaRPr lang="zh-CN" altLang="en-US"/>
           </a:p>
@@ -5163,7 +5168,7 @@
           <a:p>
             <a:fld id="{3CD0C7C0-2E50-48B1-A477-DDFF934B8830}" type="datetimeFigureOut">
               <a:rPr lang="zh-CN" altLang="en-US" smtClean="0"/>
-              <a:t>2021/3/13</a:t>
+              <a:t>2021/3/15</a:t>
             </a:fld>
             <a:endParaRPr lang="zh-CN" altLang="en-US"/>
           </a:p>
@@ -5276,7 +5281,7 @@
           <a:p>
             <a:fld id="{3CD0C7C0-2E50-48B1-A477-DDFF934B8830}" type="datetimeFigureOut">
               <a:rPr lang="zh-CN" altLang="en-US" smtClean="0"/>
-              <a:t>2021/3/13</a:t>
+              <a:t>2021/3/15</a:t>
             </a:fld>
             <a:endParaRPr lang="zh-CN" altLang="en-US"/>
           </a:p>
@@ -5587,7 +5592,7 @@
           <a:p>
             <a:fld id="{3CD0C7C0-2E50-48B1-A477-DDFF934B8830}" type="datetimeFigureOut">
               <a:rPr lang="zh-CN" altLang="en-US" smtClean="0"/>
-              <a:t>2021/3/13</a:t>
+              <a:t>2021/3/15</a:t>
             </a:fld>
             <a:endParaRPr lang="zh-CN" altLang="en-US"/>
           </a:p>
@@ -5875,7 +5880,7 @@
           <a:p>
             <a:fld id="{3CD0C7C0-2E50-48B1-A477-DDFF934B8830}" type="datetimeFigureOut">
               <a:rPr lang="zh-CN" altLang="en-US" smtClean="0"/>
-              <a:t>2021/3/13</a:t>
+              <a:t>2021/3/15</a:t>
             </a:fld>
             <a:endParaRPr lang="zh-CN" altLang="en-US"/>
           </a:p>
@@ -6116,7 +6121,7 @@
           <a:p>
             <a:fld id="{3CD0C7C0-2E50-48B1-A477-DDFF934B8830}" type="datetimeFigureOut">
               <a:rPr lang="zh-CN" altLang="en-US" smtClean="0"/>
-              <a:t>2021/3/13</a:t>
+              <a:t>2021/3/15</a:t>
             </a:fld>
             <a:endParaRPr lang="zh-CN" altLang="en-US"/>
           </a:p>
@@ -6583,13 +6588,19 @@
         <p:spPr/>
         <p:txBody>
           <a:bodyPr>
-            <a:normAutofit/>
+            <a:normAutofit lnSpcReduction="10000"/>
           </a:bodyPr>
           <a:lstStyle/>
           <a:p>
             <a:r>
               <a:rPr lang="en-US" altLang="zh-CN" dirty="0"/>
               <a:t>FRE 7121 Statistical Arbitrage</a:t>
+            </a:r>
+          </a:p>
+          <a:p>
+            <a:r>
+              <a:rPr lang="en-US" altLang="zh-CN" dirty="0"/>
+              <a:t>Professor </a:t>
             </a:r>
           </a:p>
           <a:p>
@@ -7836,7 +7847,7 @@
           <a:p>
             <a:r>
               <a:rPr lang="en-US" altLang="zh-CN" dirty="0"/>
-              <a:t>We have replaced the original punishment into </a:t>
+              <a:t>We have replaced the original punishment into Sharpe ratio </a:t>
             </a:r>
           </a:p>
           <a:p>
